--- a/幻灯/07.显微操作训练_E.pptx
+++ b/幻灯/07.显微操作训练_E.pptx
@@ -5,7 +5,7 @@
     <p:sldMasterId id="2147483648" r:id="rId1"/>
   </p:sldMasterIdLst>
   <p:notesMasterIdLst>
-    <p:notesMasterId r:id="rId10"/>
+    <p:notesMasterId r:id="rId11"/>
   </p:notesMasterIdLst>
   <p:sldIdLst>
     <p:sldId id="292" r:id="rId2"/>
@@ -16,6 +16,7 @@
     <p:sldId id="296" r:id="rId7"/>
     <p:sldId id="297" r:id="rId8"/>
     <p:sldId id="298" r:id="rId9"/>
+    <p:sldId id="300" r:id="rId10"/>
   </p:sldIdLst>
   <p:sldSz cx="9144000" cy="5143500" type="screen16x9"/>
   <p:notesSz cx="6858000" cy="9144000"/>
@@ -245,7 +246,7 @@
           <a:p>
             <a:fld id="{DE36274C-D1C1-1841-9B98-5C74E72887B6}" type="datetimeFigureOut">
               <a:rPr kumimoji="1" lang="zh-CN" altLang="en-US" smtClean="0"/>
-              <a:t>2019/6/19</a:t>
+              <a:t>2019/7/2</a:t>
             </a:fld>
             <a:endParaRPr kumimoji="1" lang="zh-CN" altLang="en-US"/>
           </a:p>
@@ -551,14 +552,14 @@
           </a:ln>
           <a:extLst>
             <a:ext uri="{909E8E84-426E-40dd-AFC4-6F175D3DCCD1}">
-              <a14:hiddenFill xmlns="" xmlns:a14="http://schemas.microsoft.com/office/drawing/2010/main">
+              <a14:hiddenFill xmlns:a14="http://schemas.microsoft.com/office/drawing/2010/main" xmlns="">
                 <a:solidFill>
                   <a:srgbClr val="FFFFFF"/>
                 </a:solidFill>
               </a14:hiddenFill>
             </a:ext>
             <a:ext uri="{FAA26D3D-D897-4be2-8F04-BA451C77F1D7}">
-              <ma14:placeholderFlag xmlns="" xmlns:ma14="http://schemas.microsoft.com/office/mac/drawingml/2011/main" val="1"/>
+              <ma14:placeholderFlag xmlns:ma14="http://schemas.microsoft.com/office/mac/drawingml/2011/main" xmlns="" val="1"/>
             </a:ext>
           </a:extLst>
         </p:spPr>
@@ -577,14 +578,14 @@
           <a:noFill/>
           <a:extLst>
             <a:ext uri="{909E8E84-426E-40dd-AFC4-6F175D3DCCD1}">
-              <a14:hiddenFill xmlns="" xmlns:a14="http://schemas.microsoft.com/office/drawing/2010/main">
+              <a14:hiddenFill xmlns:a14="http://schemas.microsoft.com/office/drawing/2010/main" xmlns="">
                 <a:solidFill>
                   <a:srgbClr val="FFFFFF"/>
                 </a:solidFill>
               </a14:hiddenFill>
             </a:ext>
             <a:ext uri="{91240B29-F687-4f45-9708-019B960494DF}">
-              <a14:hiddenLine xmlns="" xmlns:a14="http://schemas.microsoft.com/office/drawing/2010/main" w="9525">
+              <a14:hiddenLine xmlns:a14="http://schemas.microsoft.com/office/drawing/2010/main" xmlns="" w="9525">
                 <a:solidFill>
                   <a:srgbClr val="000000"/>
                 </a:solidFill>
@@ -594,7 +595,7 @@
               </a14:hiddenLine>
             </a:ext>
             <a:ext uri="{FAA26D3D-D897-4be2-8F04-BA451C77F1D7}">
-              <ma14:placeholderFlag xmlns="" xmlns:ma14="http://schemas.microsoft.com/office/mac/drawingml/2011/main" val="1"/>
+              <ma14:placeholderFlag xmlns:ma14="http://schemas.microsoft.com/office/mac/drawingml/2011/main" xmlns="" val="1"/>
             </a:ext>
           </a:extLst>
         </p:spPr>
@@ -1087,14 +1088,14 @@
           </a:ln>
           <a:extLst>
             <a:ext uri="{909E8E84-426E-40dd-AFC4-6F175D3DCCD1}">
-              <a14:hiddenFill xmlns="" xmlns:a14="http://schemas.microsoft.com/office/drawing/2010/main">
+              <a14:hiddenFill xmlns:a14="http://schemas.microsoft.com/office/drawing/2010/main" xmlns="">
                 <a:solidFill>
                   <a:srgbClr val="FFFFFF"/>
                 </a:solidFill>
               </a14:hiddenFill>
             </a:ext>
             <a:ext uri="{FAA26D3D-D897-4be2-8F04-BA451C77F1D7}">
-              <ma14:placeholderFlag xmlns="" xmlns:ma14="http://schemas.microsoft.com/office/mac/drawingml/2011/main" val="1"/>
+              <ma14:placeholderFlag xmlns:ma14="http://schemas.microsoft.com/office/mac/drawingml/2011/main" xmlns="" val="1"/>
             </a:ext>
           </a:extLst>
         </p:spPr>
@@ -1113,14 +1114,14 @@
           <a:noFill/>
           <a:extLst>
             <a:ext uri="{909E8E84-426E-40dd-AFC4-6F175D3DCCD1}">
-              <a14:hiddenFill xmlns="" xmlns:a14="http://schemas.microsoft.com/office/drawing/2010/main">
+              <a14:hiddenFill xmlns:a14="http://schemas.microsoft.com/office/drawing/2010/main" xmlns="">
                 <a:solidFill>
                   <a:srgbClr val="FFFFFF"/>
                 </a:solidFill>
               </a14:hiddenFill>
             </a:ext>
             <a:ext uri="{91240B29-F687-4f45-9708-019B960494DF}">
-              <a14:hiddenLine xmlns="" xmlns:a14="http://schemas.microsoft.com/office/drawing/2010/main" w="9525">
+              <a14:hiddenLine xmlns:a14="http://schemas.microsoft.com/office/drawing/2010/main" xmlns="" w="9525">
                 <a:solidFill>
                   <a:srgbClr val="000000"/>
                 </a:solidFill>
@@ -1130,7 +1131,7 @@
               </a14:hiddenLine>
             </a:ext>
             <a:ext uri="{FAA26D3D-D897-4be2-8F04-BA451C77F1D7}">
-              <ma14:placeholderFlag xmlns="" xmlns:ma14="http://schemas.microsoft.com/office/mac/drawingml/2011/main" val="1"/>
+              <ma14:placeholderFlag xmlns:ma14="http://schemas.microsoft.com/office/mac/drawingml/2011/main" xmlns="" val="1"/>
             </a:ext>
           </a:extLst>
         </p:spPr>
@@ -1369,14 +1370,14 @@
           </a:ln>
           <a:extLst>
             <a:ext uri="{909E8E84-426E-40dd-AFC4-6F175D3DCCD1}">
-              <a14:hiddenFill xmlns="" xmlns:a14="http://schemas.microsoft.com/office/drawing/2010/main">
+              <a14:hiddenFill xmlns:a14="http://schemas.microsoft.com/office/drawing/2010/main" xmlns="">
                 <a:solidFill>
                   <a:srgbClr val="FFFFFF"/>
                 </a:solidFill>
               </a14:hiddenFill>
             </a:ext>
             <a:ext uri="{FAA26D3D-D897-4be2-8F04-BA451C77F1D7}">
-              <ma14:placeholderFlag xmlns="" xmlns:ma14="http://schemas.microsoft.com/office/mac/drawingml/2011/main" val="1"/>
+              <ma14:placeholderFlag xmlns:ma14="http://schemas.microsoft.com/office/mac/drawingml/2011/main" xmlns="" val="1"/>
             </a:ext>
           </a:extLst>
         </p:spPr>
@@ -1395,14 +1396,14 @@
           <a:noFill/>
           <a:extLst>
             <a:ext uri="{909E8E84-426E-40dd-AFC4-6F175D3DCCD1}">
-              <a14:hiddenFill xmlns="" xmlns:a14="http://schemas.microsoft.com/office/drawing/2010/main">
+              <a14:hiddenFill xmlns:a14="http://schemas.microsoft.com/office/drawing/2010/main" xmlns="">
                 <a:solidFill>
                   <a:srgbClr val="FFFFFF"/>
                 </a:solidFill>
               </a14:hiddenFill>
             </a:ext>
             <a:ext uri="{91240B29-F687-4f45-9708-019B960494DF}">
-              <a14:hiddenLine xmlns="" xmlns:a14="http://schemas.microsoft.com/office/drawing/2010/main" w="9525">
+              <a14:hiddenLine xmlns:a14="http://schemas.microsoft.com/office/drawing/2010/main" xmlns="" w="9525">
                 <a:solidFill>
                   <a:srgbClr val="000000"/>
                 </a:solidFill>
@@ -1412,7 +1413,7 @@
               </a14:hiddenLine>
             </a:ext>
             <a:ext uri="{FAA26D3D-D897-4be2-8F04-BA451C77F1D7}">
-              <ma14:placeholderFlag xmlns="" xmlns:ma14="http://schemas.microsoft.com/office/mac/drawingml/2011/main" val="1"/>
+              <ma14:placeholderFlag xmlns:ma14="http://schemas.microsoft.com/office/mac/drawingml/2011/main" xmlns="" val="1"/>
             </a:ext>
           </a:extLst>
         </p:spPr>
@@ -1705,14 +1706,14 @@
           </a:ln>
           <a:extLst>
             <a:ext uri="{909E8E84-426E-40dd-AFC4-6F175D3DCCD1}">
-              <a14:hiddenFill xmlns="" xmlns:a14="http://schemas.microsoft.com/office/drawing/2010/main">
+              <a14:hiddenFill xmlns:a14="http://schemas.microsoft.com/office/drawing/2010/main" xmlns="">
                 <a:solidFill>
                   <a:srgbClr val="FFFFFF"/>
                 </a:solidFill>
               </a14:hiddenFill>
             </a:ext>
             <a:ext uri="{FAA26D3D-D897-4be2-8F04-BA451C77F1D7}">
-              <ma14:placeholderFlag xmlns="" xmlns:ma14="http://schemas.microsoft.com/office/mac/drawingml/2011/main" val="1"/>
+              <ma14:placeholderFlag xmlns:ma14="http://schemas.microsoft.com/office/mac/drawingml/2011/main" xmlns="" val="1"/>
             </a:ext>
           </a:extLst>
         </p:spPr>
@@ -1731,14 +1732,14 @@
           <a:noFill/>
           <a:extLst>
             <a:ext uri="{909E8E84-426E-40dd-AFC4-6F175D3DCCD1}">
-              <a14:hiddenFill xmlns="" xmlns:a14="http://schemas.microsoft.com/office/drawing/2010/main">
+              <a14:hiddenFill xmlns:a14="http://schemas.microsoft.com/office/drawing/2010/main" xmlns="">
                 <a:solidFill>
                   <a:srgbClr val="FFFFFF"/>
                 </a:solidFill>
               </a14:hiddenFill>
             </a:ext>
             <a:ext uri="{91240B29-F687-4f45-9708-019B960494DF}">
-              <a14:hiddenLine xmlns="" xmlns:a14="http://schemas.microsoft.com/office/drawing/2010/main" w="9525">
+              <a14:hiddenLine xmlns:a14="http://schemas.microsoft.com/office/drawing/2010/main" xmlns="" w="9525">
                 <a:solidFill>
                   <a:srgbClr val="000000"/>
                 </a:solidFill>
@@ -1748,7 +1749,7 @@
               </a14:hiddenLine>
             </a:ext>
             <a:ext uri="{FAA26D3D-D897-4be2-8F04-BA451C77F1D7}">
-              <ma14:placeholderFlag xmlns="" xmlns:ma14="http://schemas.microsoft.com/office/mac/drawingml/2011/main" val="1"/>
+              <ma14:placeholderFlag xmlns:ma14="http://schemas.microsoft.com/office/mac/drawingml/2011/main" xmlns="" val="1"/>
             </a:ext>
           </a:extLst>
         </p:spPr>
@@ -2012,14 +2013,14 @@
           </a:ln>
           <a:extLst>
             <a:ext uri="{909E8E84-426E-40dd-AFC4-6F175D3DCCD1}">
-              <a14:hiddenFill xmlns="" xmlns:a14="http://schemas.microsoft.com/office/drawing/2010/main">
+              <a14:hiddenFill xmlns:a14="http://schemas.microsoft.com/office/drawing/2010/main" xmlns="">
                 <a:solidFill>
                   <a:srgbClr val="FFFFFF"/>
                 </a:solidFill>
               </a14:hiddenFill>
             </a:ext>
             <a:ext uri="{FAA26D3D-D897-4be2-8F04-BA451C77F1D7}">
-              <ma14:placeholderFlag xmlns="" xmlns:ma14="http://schemas.microsoft.com/office/mac/drawingml/2011/main" val="1"/>
+              <ma14:placeholderFlag xmlns:ma14="http://schemas.microsoft.com/office/mac/drawingml/2011/main" xmlns="" val="1"/>
             </a:ext>
           </a:extLst>
         </p:spPr>
@@ -2038,14 +2039,14 @@
           <a:noFill/>
           <a:extLst>
             <a:ext uri="{909E8E84-426E-40dd-AFC4-6F175D3DCCD1}">
-              <a14:hiddenFill xmlns="" xmlns:a14="http://schemas.microsoft.com/office/drawing/2010/main">
+              <a14:hiddenFill xmlns:a14="http://schemas.microsoft.com/office/drawing/2010/main" xmlns="">
                 <a:solidFill>
                   <a:srgbClr val="FFFFFF"/>
                 </a:solidFill>
               </a14:hiddenFill>
             </a:ext>
             <a:ext uri="{91240B29-F687-4f45-9708-019B960494DF}">
-              <a14:hiddenLine xmlns="" xmlns:a14="http://schemas.microsoft.com/office/drawing/2010/main" w="9525">
+              <a14:hiddenLine xmlns:a14="http://schemas.microsoft.com/office/drawing/2010/main" xmlns="" w="9525">
                 <a:solidFill>
                   <a:srgbClr val="000000"/>
                 </a:solidFill>
@@ -2055,7 +2056,7 @@
               </a14:hiddenLine>
             </a:ext>
             <a:ext uri="{FAA26D3D-D897-4be2-8F04-BA451C77F1D7}">
-              <ma14:placeholderFlag xmlns="" xmlns:ma14="http://schemas.microsoft.com/office/mac/drawingml/2011/main" val="1"/>
+              <ma14:placeholderFlag xmlns:ma14="http://schemas.microsoft.com/office/mac/drawingml/2011/main" xmlns="" val="1"/>
             </a:ext>
           </a:extLst>
         </p:spPr>
@@ -2317,14 +2318,14 @@
           </a:ln>
           <a:extLst>
             <a:ext uri="{909E8E84-426E-40dd-AFC4-6F175D3DCCD1}">
-              <a14:hiddenFill xmlns="" xmlns:a14="http://schemas.microsoft.com/office/drawing/2010/main">
+              <a14:hiddenFill xmlns:a14="http://schemas.microsoft.com/office/drawing/2010/main" xmlns="">
                 <a:solidFill>
                   <a:srgbClr val="FFFFFF"/>
                 </a:solidFill>
               </a14:hiddenFill>
             </a:ext>
             <a:ext uri="{FAA26D3D-D897-4be2-8F04-BA451C77F1D7}">
-              <ma14:placeholderFlag xmlns="" xmlns:ma14="http://schemas.microsoft.com/office/mac/drawingml/2011/main" val="1"/>
+              <ma14:placeholderFlag xmlns:ma14="http://schemas.microsoft.com/office/mac/drawingml/2011/main" xmlns="" val="1"/>
             </a:ext>
           </a:extLst>
         </p:spPr>
@@ -2343,14 +2344,14 @@
           <a:noFill/>
           <a:extLst>
             <a:ext uri="{909E8E84-426E-40dd-AFC4-6F175D3DCCD1}">
-              <a14:hiddenFill xmlns="" xmlns:a14="http://schemas.microsoft.com/office/drawing/2010/main">
+              <a14:hiddenFill xmlns:a14="http://schemas.microsoft.com/office/drawing/2010/main" xmlns="">
                 <a:solidFill>
                   <a:srgbClr val="FFFFFF"/>
                 </a:solidFill>
               </a14:hiddenFill>
             </a:ext>
             <a:ext uri="{91240B29-F687-4f45-9708-019B960494DF}">
-              <a14:hiddenLine xmlns="" xmlns:a14="http://schemas.microsoft.com/office/drawing/2010/main" w="9525">
+              <a14:hiddenLine xmlns:a14="http://schemas.microsoft.com/office/drawing/2010/main" xmlns="" w="9525">
                 <a:solidFill>
                   <a:srgbClr val="000000"/>
                 </a:solidFill>
@@ -2360,7 +2361,7 @@
               </a14:hiddenLine>
             </a:ext>
             <a:ext uri="{FAA26D3D-D897-4be2-8F04-BA451C77F1D7}">
-              <ma14:placeholderFlag xmlns="" xmlns:ma14="http://schemas.microsoft.com/office/mac/drawingml/2011/main" val="1"/>
+              <ma14:placeholderFlag xmlns:ma14="http://schemas.microsoft.com/office/mac/drawingml/2011/main" xmlns="" val="1"/>
             </a:ext>
           </a:extLst>
         </p:spPr>
@@ -2649,14 +2650,14 @@
           </a:ln>
           <a:extLst>
             <a:ext uri="{909E8E84-426E-40dd-AFC4-6F175D3DCCD1}">
-              <a14:hiddenFill xmlns="" xmlns:a14="http://schemas.microsoft.com/office/drawing/2010/main">
+              <a14:hiddenFill xmlns:a14="http://schemas.microsoft.com/office/drawing/2010/main" xmlns="">
                 <a:solidFill>
                   <a:srgbClr val="FFFFFF"/>
                 </a:solidFill>
               </a14:hiddenFill>
             </a:ext>
             <a:ext uri="{FAA26D3D-D897-4be2-8F04-BA451C77F1D7}">
-              <ma14:placeholderFlag xmlns="" xmlns:ma14="http://schemas.microsoft.com/office/mac/drawingml/2011/main" val="1"/>
+              <ma14:placeholderFlag xmlns:ma14="http://schemas.microsoft.com/office/mac/drawingml/2011/main" xmlns="" val="1"/>
             </a:ext>
           </a:extLst>
         </p:spPr>
@@ -2675,14 +2676,14 @@
           <a:noFill/>
           <a:extLst>
             <a:ext uri="{909E8E84-426E-40dd-AFC4-6F175D3DCCD1}">
-              <a14:hiddenFill xmlns="" xmlns:a14="http://schemas.microsoft.com/office/drawing/2010/main">
+              <a14:hiddenFill xmlns:a14="http://schemas.microsoft.com/office/drawing/2010/main" xmlns="">
                 <a:solidFill>
                   <a:srgbClr val="FFFFFF"/>
                 </a:solidFill>
               </a14:hiddenFill>
             </a:ext>
             <a:ext uri="{91240B29-F687-4f45-9708-019B960494DF}">
-              <a14:hiddenLine xmlns="" xmlns:a14="http://schemas.microsoft.com/office/drawing/2010/main" w="9525">
+              <a14:hiddenLine xmlns:a14="http://schemas.microsoft.com/office/drawing/2010/main" xmlns="" w="9525">
                 <a:solidFill>
                   <a:srgbClr val="000000"/>
                 </a:solidFill>
@@ -2692,7 +2693,7 @@
               </a14:hiddenLine>
             </a:ext>
             <a:ext uri="{FAA26D3D-D897-4be2-8F04-BA451C77F1D7}">
-              <ma14:placeholderFlag xmlns="" xmlns:ma14="http://schemas.microsoft.com/office/mac/drawingml/2011/main" val="1"/>
+              <ma14:placeholderFlag xmlns:ma14="http://schemas.microsoft.com/office/mac/drawingml/2011/main" xmlns="" val="1"/>
             </a:ext>
           </a:extLst>
         </p:spPr>
@@ -2718,16 +2719,28 @@
                 <a:latin typeface="Calibri" charset="0"/>
                 <a:ea typeface="宋体" charset="0"/>
               </a:rPr>
-              <a:t>术者眼睛不离开显微镜，从助手中接过笔，在圆心画点，再将笔交还助手，右手完成后以左手重试。助手也可以分别坐</a:t>
+              <a:t>术者眼睛不离开显微镜，从助手中接过笔，在圆心画点，再将笔交还助手，右手完成后以左手重试。助手也可以分别坐在不同位置上。</a:t>
             </a:r>
+            <a:endParaRPr lang="en-US" altLang="zh-CN" dirty="0">
+              <a:latin typeface="Calibri" charset="0"/>
+              <a:ea typeface="宋体" charset="0"/>
+            </a:endParaRPr>
+          </a:p>
+          <a:p>
             <a:r>
-              <a:rPr lang="zh-CN" altLang="en-US">
+              <a:rPr lang="zh-CN" altLang="en-US" dirty="0">
                 <a:latin typeface="Calibri" charset="0"/>
                 <a:ea typeface="宋体" charset="0"/>
               </a:rPr>
-              <a:t>在不同位置上。</a:t>
+              <a:t>记住，你的手会自动伸向眼睛看的方向，由于显微镜上的反射镜，所以你需要把手向怀里送一些，试试看吧。</a:t>
             </a:r>
-            <a:endParaRPr lang="zh-CN" altLang="en-US" dirty="0">
+            <a:endParaRPr lang="en-US" altLang="zh-CN" dirty="0">
+              <a:latin typeface="Calibri" charset="0"/>
+              <a:ea typeface="宋体" charset="0"/>
+            </a:endParaRPr>
+          </a:p>
+          <a:p>
+            <a:endParaRPr lang="en-US" altLang="zh-CN" dirty="0">
               <a:latin typeface="Calibri" charset="0"/>
               <a:ea typeface="宋体" charset="0"/>
             </a:endParaRPr>
@@ -2880,6 +2893,314 @@
     <p:extLst>
       <p:ext uri="{BB962C8B-B14F-4D97-AF65-F5344CB8AC3E}">
         <p14:creationId xmlns:p14="http://schemas.microsoft.com/office/powerpoint/2010/main" val="3273644487"/>
+      </p:ext>
+    </p:extLst>
+  </p:cSld>
+  <p:clrMapOvr>
+    <a:masterClrMapping/>
+  </p:clrMapOvr>
+</p:notes>
+</file>
+
+<file path=ppt/notesSlides/notesSlide9.xml><?xml version="1.0" encoding="utf-8"?>
+<p:notes xmlns:a="http://schemas.openxmlformats.org/drawingml/2006/main" xmlns:r="http://schemas.openxmlformats.org/officeDocument/2006/relationships" xmlns:p="http://schemas.openxmlformats.org/presentationml/2006/main">
+  <p:cSld>
+    <p:spTree>
+      <p:nvGrpSpPr>
+        <p:cNvPr id="1" name=""/>
+        <p:cNvGrpSpPr/>
+        <p:nvPr/>
+      </p:nvGrpSpPr>
+      <p:grpSpPr>
+        <a:xfrm>
+          <a:off x="0" y="0"/>
+          <a:ext cx="0" cy="0"/>
+          <a:chOff x="0" y="0"/>
+          <a:chExt cx="0" cy="0"/>
+        </a:xfrm>
+      </p:grpSpPr>
+      <p:sp>
+        <p:nvSpPr>
+          <p:cNvPr id="2" name="幻灯片图像占位符 1"/>
+          <p:cNvSpPr>
+            <a:spLocks noGrp="1" noRot="1" noChangeAspect="1"/>
+          </p:cNvSpPr>
+          <p:nvPr>
+            <p:ph type="sldImg"/>
+          </p:nvPr>
+        </p:nvSpPr>
+        <p:spPr/>
+      </p:sp>
+      <p:sp>
+        <p:nvSpPr>
+          <p:cNvPr id="3" name="备注占位符 2"/>
+          <p:cNvSpPr>
+            <a:spLocks noGrp="1"/>
+          </p:cNvSpPr>
+          <p:nvPr>
+            <p:ph type="body" idx="1"/>
+          </p:nvPr>
+        </p:nvSpPr>
+        <p:spPr/>
+        <p:txBody>
+          <a:bodyPr/>
+          <a:lstStyle/>
+          <a:p>
+            <a:pPr marL="0" marR="0" lvl="0" indent="0" algn="l" defTabSz="914400" rtl="0" eaLnBrk="1" fontAlgn="auto" latinLnBrk="0" hangingPunct="1">
+              <a:lnSpc>
+                <a:spcPct val="100000"/>
+              </a:lnSpc>
+              <a:spcBef>
+                <a:spcPts val="0"/>
+              </a:spcBef>
+              <a:spcAft>
+                <a:spcPts val="0"/>
+              </a:spcAft>
+              <a:buClrTx/>
+              <a:buSzTx/>
+              <a:buFontTx/>
+              <a:buNone/>
+              <a:tabLst/>
+              <a:defRPr/>
+            </a:pPr>
+            <a:r>
+              <a:rPr lang="zh-CN" altLang="en-US" dirty="0">
+                <a:latin typeface="Calibri" charset="0"/>
+                <a:ea typeface="宋体" charset="0"/>
+              </a:rPr>
+              <a:t>当你完成器械传递练习，请回顾一下你学会这个动作的过程，</a:t>
+            </a:r>
+            <a:endParaRPr lang="en-US" altLang="zh-CN" dirty="0">
+              <a:latin typeface="Calibri" charset="0"/>
+              <a:ea typeface="宋体" charset="0"/>
+            </a:endParaRPr>
+          </a:p>
+          <a:p>
+            <a:pPr marL="0" marR="0" lvl="0" indent="0" algn="l" defTabSz="914400" rtl="0" eaLnBrk="1" fontAlgn="auto" latinLnBrk="0" hangingPunct="1">
+              <a:lnSpc>
+                <a:spcPct val="100000"/>
+              </a:lnSpc>
+              <a:spcBef>
+                <a:spcPts val="0"/>
+              </a:spcBef>
+              <a:spcAft>
+                <a:spcPts val="0"/>
+              </a:spcAft>
+              <a:buClrTx/>
+              <a:buSzTx/>
+              <a:buFontTx/>
+              <a:buNone/>
+              <a:tabLst/>
+              <a:defRPr/>
+            </a:pPr>
+            <a:r>
+              <a:rPr lang="zh-CN" altLang="en-US" dirty="0">
+                <a:latin typeface="Calibri" charset="0"/>
+                <a:ea typeface="宋体" charset="0"/>
+              </a:rPr>
+              <a:t>一开始，可能你根本不相信眼睛不看就能把器械接过来还能一步到位送到镜下，</a:t>
+            </a:r>
+            <a:endParaRPr lang="en-US" altLang="zh-CN" dirty="0">
+              <a:latin typeface="Calibri" charset="0"/>
+              <a:ea typeface="宋体" charset="0"/>
+            </a:endParaRPr>
+          </a:p>
+          <a:p>
+            <a:pPr marL="0" marR="0" lvl="0" indent="0" algn="l" defTabSz="914400" rtl="0" eaLnBrk="1" fontAlgn="auto" latinLnBrk="0" hangingPunct="1">
+              <a:lnSpc>
+                <a:spcPct val="100000"/>
+              </a:lnSpc>
+              <a:spcBef>
+                <a:spcPts val="0"/>
+              </a:spcBef>
+              <a:spcAft>
+                <a:spcPts val="0"/>
+              </a:spcAft>
+              <a:buClrTx/>
+              <a:buSzTx/>
+              <a:buFontTx/>
+              <a:buNone/>
+              <a:tabLst/>
+              <a:defRPr/>
+            </a:pPr>
+            <a:r>
+              <a:rPr lang="zh-CN" altLang="en-US" dirty="0">
+                <a:latin typeface="Calibri" charset="0"/>
+                <a:ea typeface="宋体" charset="0"/>
+              </a:rPr>
+              <a:t>接着，你需要用头脑理解为什么这个动作做起来困难，因为是我们的视线被显微镜偏折了，而我们的手会去找自己眼睛看的方向。</a:t>
+            </a:r>
+            <a:endParaRPr lang="en-US" altLang="zh-CN" dirty="0">
+              <a:latin typeface="Calibri" charset="0"/>
+              <a:ea typeface="宋体" charset="0"/>
+            </a:endParaRPr>
+          </a:p>
+          <a:p>
+            <a:pPr marL="0" marR="0" lvl="0" indent="0" algn="l" defTabSz="914400" rtl="0" eaLnBrk="1" fontAlgn="auto" latinLnBrk="0" hangingPunct="1">
+              <a:lnSpc>
+                <a:spcPct val="100000"/>
+              </a:lnSpc>
+              <a:spcBef>
+                <a:spcPts val="0"/>
+              </a:spcBef>
+              <a:spcAft>
+                <a:spcPts val="0"/>
+              </a:spcAft>
+              <a:buClrTx/>
+              <a:buSzTx/>
+              <a:buFontTx/>
+              <a:buNone/>
+              <a:tabLst/>
+              <a:defRPr/>
+            </a:pPr>
+            <a:r>
+              <a:rPr lang="zh-CN" altLang="en-US" dirty="0">
+                <a:latin typeface="Calibri" charset="0"/>
+                <a:ea typeface="宋体" charset="0"/>
+              </a:rPr>
+              <a:t>然后，你通过原理来寻找解决方案，既然手容易放远，那么收回近一些也许可以解决。</a:t>
+            </a:r>
+            <a:endParaRPr lang="en-US" altLang="zh-CN" dirty="0">
+              <a:latin typeface="Calibri" charset="0"/>
+              <a:ea typeface="宋体" charset="0"/>
+            </a:endParaRPr>
+          </a:p>
+          <a:p>
+            <a:pPr marL="0" marR="0" lvl="0" indent="0" algn="l" defTabSz="914400" rtl="0" eaLnBrk="1" fontAlgn="auto" latinLnBrk="0" hangingPunct="1">
+              <a:lnSpc>
+                <a:spcPct val="100000"/>
+              </a:lnSpc>
+              <a:spcBef>
+                <a:spcPts val="0"/>
+              </a:spcBef>
+              <a:spcAft>
+                <a:spcPts val="0"/>
+              </a:spcAft>
+              <a:buClrTx/>
+              <a:buSzTx/>
+              <a:buFontTx/>
+              <a:buNone/>
+              <a:tabLst/>
+              <a:defRPr/>
+            </a:pPr>
+            <a:r>
+              <a:rPr lang="zh-CN" altLang="en-US" dirty="0">
+                <a:latin typeface="Calibri" charset="0"/>
+                <a:ea typeface="宋体" charset="0"/>
+              </a:rPr>
+              <a:t>最后，你通过反复练习固化这个动作，动作好像存储到了肌肉里，一旦形成肌肉记忆，你就不必再从原理开始推导，而形成一种习惯了。</a:t>
+            </a:r>
+            <a:endParaRPr lang="en-US" altLang="zh-CN" dirty="0">
+              <a:latin typeface="Calibri" charset="0"/>
+              <a:ea typeface="宋体" charset="0"/>
+            </a:endParaRPr>
+          </a:p>
+          <a:p>
+            <a:pPr marL="0" marR="0" lvl="0" indent="0" algn="l" defTabSz="914400" rtl="0" eaLnBrk="1" fontAlgn="auto" latinLnBrk="0" hangingPunct="1">
+              <a:lnSpc>
+                <a:spcPct val="100000"/>
+              </a:lnSpc>
+              <a:spcBef>
+                <a:spcPts val="0"/>
+              </a:spcBef>
+              <a:spcAft>
+                <a:spcPts val="0"/>
+              </a:spcAft>
+              <a:buClrTx/>
+              <a:buSzTx/>
+              <a:buFontTx/>
+              <a:buNone/>
+              <a:tabLst/>
+              <a:defRPr/>
+            </a:pPr>
+            <a:endParaRPr lang="en-US" altLang="zh-CN" dirty="0">
+              <a:latin typeface="Calibri" charset="0"/>
+              <a:ea typeface="宋体" charset="0"/>
+            </a:endParaRPr>
+          </a:p>
+          <a:p>
+            <a:pPr marL="0" marR="0" lvl="0" indent="0" algn="l" defTabSz="914400" rtl="0" eaLnBrk="1" fontAlgn="auto" latinLnBrk="0" hangingPunct="1">
+              <a:lnSpc>
+                <a:spcPct val="100000"/>
+              </a:lnSpc>
+              <a:spcBef>
+                <a:spcPts val="0"/>
+              </a:spcBef>
+              <a:spcAft>
+                <a:spcPts val="0"/>
+              </a:spcAft>
+              <a:buClrTx/>
+              <a:buSzTx/>
+              <a:buFontTx/>
+              <a:buNone/>
+              <a:tabLst/>
+              <a:defRPr/>
+            </a:pPr>
+            <a:r>
+              <a:rPr lang="zh-CN" altLang="en-US" dirty="0">
+                <a:latin typeface="Calibri" charset="0"/>
+                <a:ea typeface="宋体" charset="0"/>
+              </a:rPr>
+              <a:t>理解原理，找出正确动作，反复</a:t>
+            </a:r>
+            <a:r>
+              <a:rPr lang="zh-CN" altLang="en-US">
+                <a:latin typeface="Calibri" charset="0"/>
+                <a:ea typeface="宋体" charset="0"/>
+              </a:rPr>
+              <a:t>练习形成肌肉记忆，这</a:t>
+            </a:r>
+            <a:r>
+              <a:rPr lang="zh-CN" altLang="en-US" dirty="0">
+                <a:latin typeface="Calibri" charset="0"/>
+                <a:ea typeface="宋体" charset="0"/>
+              </a:rPr>
+              <a:t>是一种练习显微手术</a:t>
+            </a:r>
+            <a:r>
+              <a:rPr lang="zh-CN" altLang="en-US">
+                <a:latin typeface="Calibri" charset="0"/>
+                <a:ea typeface="宋体" charset="0"/>
+              </a:rPr>
+              <a:t>操作的模式。</a:t>
+            </a:r>
+            <a:endParaRPr lang="zh-CN" altLang="en-US" dirty="0">
+              <a:latin typeface="Calibri" charset="0"/>
+              <a:ea typeface="宋体" charset="0"/>
+            </a:endParaRPr>
+          </a:p>
+          <a:p>
+            <a:endParaRPr kumimoji="1" lang="zh-CN" altLang="en-US" dirty="0"/>
+          </a:p>
+        </p:txBody>
+      </p:sp>
+      <p:sp>
+        <p:nvSpPr>
+          <p:cNvPr id="4" name="灯片编号占位符 3"/>
+          <p:cNvSpPr>
+            <a:spLocks noGrp="1"/>
+          </p:cNvSpPr>
+          <p:nvPr>
+            <p:ph type="sldNum" sz="quarter" idx="5"/>
+          </p:nvPr>
+        </p:nvSpPr>
+        <p:spPr/>
+        <p:txBody>
+          <a:bodyPr/>
+          <a:lstStyle/>
+          <a:p>
+            <a:fld id="{C1E450D4-F945-DD4F-843C-4A6573BE3ABC}" type="slidenum">
+              <a:rPr kumimoji="1" lang="zh-CN" altLang="en-US" smtClean="0"/>
+              <a:t>9</a:t>
+            </a:fld>
+            <a:endParaRPr kumimoji="1" lang="zh-CN" altLang="en-US"/>
+          </a:p>
+        </p:txBody>
+      </p:sp>
+    </p:spTree>
+    <p:extLst>
+      <p:ext uri="{BB962C8B-B14F-4D97-AF65-F5344CB8AC3E}">
+        <p14:creationId xmlns:p14="http://schemas.microsoft.com/office/powerpoint/2010/main" val="630328222"/>
       </p:ext>
     </p:extLst>
   </p:cSld>
@@ -4757,14 +5078,14 @@
           </a:ln>
           <a:extLst>
             <a:ext uri="{909E8E84-426E-40dd-AFC4-6F175D3DCCD1}">
-              <a14:hiddenFill xmlns="" xmlns:a14="http://schemas.microsoft.com/office/drawing/2010/main">
+              <a14:hiddenFill xmlns:a14="http://schemas.microsoft.com/office/drawing/2010/main" xmlns="">
                 <a:solidFill>
                   <a:srgbClr val="FFFFFF"/>
                 </a:solidFill>
               </a14:hiddenFill>
             </a:ext>
             <a:ext uri="{91240B29-F687-4f45-9708-019B960494DF}">
-              <a14:hiddenLine xmlns="" xmlns:a14="http://schemas.microsoft.com/office/drawing/2010/main" w="9525">
+              <a14:hiddenLine xmlns:a14="http://schemas.microsoft.com/office/drawing/2010/main" xmlns="" w="9525">
                 <a:solidFill>
                   <a:srgbClr val="000000"/>
                 </a:solidFill>
@@ -4774,7 +5095,7 @@
               </a14:hiddenLine>
             </a:ext>
             <a:ext uri="{FAA26D3D-D897-4be2-8F04-BA451C77F1D7}">
-              <ma14:placeholderFlag xmlns="" xmlns:ma14="http://schemas.microsoft.com/office/mac/drawingml/2011/main" val="1"/>
+              <ma14:placeholderFlag xmlns:ma14="http://schemas.microsoft.com/office/mac/drawingml/2011/main" xmlns="" val="1"/>
             </a:ext>
           </a:extLst>
         </p:spPr>
@@ -4818,14 +5139,14 @@
           </a:ln>
           <a:extLst>
             <a:ext uri="{909E8E84-426E-40dd-AFC4-6F175D3DCCD1}">
-              <a14:hiddenFill xmlns="" xmlns:a14="http://schemas.microsoft.com/office/drawing/2010/main">
+              <a14:hiddenFill xmlns:a14="http://schemas.microsoft.com/office/drawing/2010/main" xmlns="">
                 <a:solidFill>
                   <a:srgbClr val="FFFFFF"/>
                 </a:solidFill>
               </a14:hiddenFill>
             </a:ext>
             <a:ext uri="{91240B29-F687-4f45-9708-019B960494DF}">
-              <a14:hiddenLine xmlns="" xmlns:a14="http://schemas.microsoft.com/office/drawing/2010/main" w="9525">
+              <a14:hiddenLine xmlns:a14="http://schemas.microsoft.com/office/drawing/2010/main" xmlns="" w="9525">
                 <a:solidFill>
                   <a:srgbClr val="000000"/>
                 </a:solidFill>
@@ -4835,7 +5156,7 @@
               </a14:hiddenLine>
             </a:ext>
             <a:ext uri="{FAA26D3D-D897-4be2-8F04-BA451C77F1D7}">
-              <ma14:placeholderFlag xmlns="" xmlns:ma14="http://schemas.microsoft.com/office/mac/drawingml/2011/main" val="1"/>
+              <ma14:placeholderFlag xmlns:ma14="http://schemas.microsoft.com/office/mac/drawingml/2011/main" xmlns="" val="1"/>
             </a:ext>
           </a:extLst>
         </p:spPr>
@@ -16602,14 +16923,14 @@
               </a:ln>
               <a:extLst>
                 <a:ext uri="{909E8E84-426E-40dd-AFC4-6F175D3DCCD1}">
-                  <a14:hiddenFill xmlns="" xmlns:a14="http://schemas.microsoft.com/office/drawing/2010/main">
+                  <a14:hiddenFill xmlns:a14="http://schemas.microsoft.com/office/drawing/2010/main" xmlns="">
                     <a:solidFill>
                       <a:srgbClr val="FFFFFF"/>
                     </a:solidFill>
                   </a14:hiddenFill>
                 </a:ext>
                 <a:ext uri="{91240B29-F687-4f45-9708-019B960494DF}">
-                  <a14:hiddenLine xmlns="" xmlns:a14="http://schemas.microsoft.com/office/drawing/2010/main" w="9525">
+                  <a14:hiddenLine xmlns:a14="http://schemas.microsoft.com/office/drawing/2010/main" xmlns="" w="9525">
                     <a:solidFill>
                       <a:srgbClr val="000000"/>
                     </a:solidFill>
@@ -16656,14 +16977,14 @@
               </a:ln>
               <a:extLst>
                 <a:ext uri="{909E8E84-426E-40dd-AFC4-6F175D3DCCD1}">
-                  <a14:hiddenFill xmlns="" xmlns:a14="http://schemas.microsoft.com/office/drawing/2010/main">
+                  <a14:hiddenFill xmlns:a14="http://schemas.microsoft.com/office/drawing/2010/main" xmlns="">
                     <a:solidFill>
                       <a:srgbClr val="FFFFFF"/>
                     </a:solidFill>
                   </a14:hiddenFill>
                 </a:ext>
                 <a:ext uri="{91240B29-F687-4f45-9708-019B960494DF}">
-                  <a14:hiddenLine xmlns="" xmlns:a14="http://schemas.microsoft.com/office/drawing/2010/main" w="9525">
+                  <a14:hiddenLine xmlns:a14="http://schemas.microsoft.com/office/drawing/2010/main" xmlns="" w="9525">
                     <a:solidFill>
                       <a:srgbClr val="000000"/>
                     </a:solidFill>
@@ -16710,14 +17031,14 @@
               </a:ln>
               <a:extLst>
                 <a:ext uri="{909E8E84-426E-40dd-AFC4-6F175D3DCCD1}">
-                  <a14:hiddenFill xmlns="" xmlns:a14="http://schemas.microsoft.com/office/drawing/2010/main">
+                  <a14:hiddenFill xmlns:a14="http://schemas.microsoft.com/office/drawing/2010/main" xmlns="">
                     <a:solidFill>
                       <a:srgbClr val="FFFFFF"/>
                     </a:solidFill>
                   </a14:hiddenFill>
                 </a:ext>
                 <a:ext uri="{91240B29-F687-4f45-9708-019B960494DF}">
-                  <a14:hiddenLine xmlns="" xmlns:a14="http://schemas.microsoft.com/office/drawing/2010/main" w="9525">
+                  <a14:hiddenLine xmlns:a14="http://schemas.microsoft.com/office/drawing/2010/main" xmlns="" w="9525">
                     <a:solidFill>
                       <a:srgbClr val="000000"/>
                     </a:solidFill>
@@ -16764,14 +17085,14 @@
               </a:ln>
               <a:extLst>
                 <a:ext uri="{909E8E84-426E-40dd-AFC4-6F175D3DCCD1}">
-                  <a14:hiddenFill xmlns="" xmlns:a14="http://schemas.microsoft.com/office/drawing/2010/main">
+                  <a14:hiddenFill xmlns:a14="http://schemas.microsoft.com/office/drawing/2010/main" xmlns="">
                     <a:solidFill>
                       <a:srgbClr val="FFFFFF"/>
                     </a:solidFill>
                   </a14:hiddenFill>
                 </a:ext>
                 <a:ext uri="{91240B29-F687-4f45-9708-019B960494DF}">
-                  <a14:hiddenLine xmlns="" xmlns:a14="http://schemas.microsoft.com/office/drawing/2010/main" w="9525">
+                  <a14:hiddenLine xmlns:a14="http://schemas.microsoft.com/office/drawing/2010/main" xmlns="" w="9525">
                     <a:solidFill>
                       <a:srgbClr val="000000"/>
                     </a:solidFill>
@@ -17037,14 +17358,14 @@
             </a:ln>
             <a:extLst>
               <a:ext uri="{909E8E84-426E-40dd-AFC4-6F175D3DCCD1}">
-                <a14:hiddenFill xmlns="" xmlns:a14="http://schemas.microsoft.com/office/drawing/2010/main">
+                <a14:hiddenFill xmlns:a14="http://schemas.microsoft.com/office/drawing/2010/main" xmlns="">
                   <a:solidFill>
                     <a:srgbClr val="FFFFFF"/>
                   </a:solidFill>
                 </a14:hiddenFill>
               </a:ext>
               <a:ext uri="{91240B29-F687-4f45-9708-019B960494DF}">
-                <a14:hiddenLine xmlns="" xmlns:a14="http://schemas.microsoft.com/office/drawing/2010/main" w="9525">
+                <a14:hiddenLine xmlns:a14="http://schemas.microsoft.com/office/drawing/2010/main" xmlns="" w="9525">
                   <a:solidFill>
                     <a:srgbClr val="000000"/>
                   </a:solidFill>
@@ -27608,14 +27929,14 @@
             </a:ln>
             <a:extLst>
               <a:ext uri="{909E8E84-426E-40dd-AFC4-6F175D3DCCD1}">
-                <a14:hiddenFill xmlns="" xmlns:a14="http://schemas.microsoft.com/office/drawing/2010/main">
+                <a14:hiddenFill xmlns:a14="http://schemas.microsoft.com/office/drawing/2010/main" xmlns="">
                   <a:solidFill>
                     <a:srgbClr val="FFFFFF"/>
                   </a:solidFill>
                 </a14:hiddenFill>
               </a:ext>
               <a:ext uri="{91240B29-F687-4f45-9708-019B960494DF}">
-                <a14:hiddenLine xmlns="" xmlns:a14="http://schemas.microsoft.com/office/drawing/2010/main" w="9525">
+                <a14:hiddenLine xmlns:a14="http://schemas.microsoft.com/office/drawing/2010/main" xmlns="" w="9525">
                   <a:solidFill>
                     <a:srgbClr val="000000"/>
                   </a:solidFill>
@@ -27662,14 +27983,14 @@
             </a:ln>
             <a:extLst>
               <a:ext uri="{909E8E84-426E-40dd-AFC4-6F175D3DCCD1}">
-                <a14:hiddenFill xmlns="" xmlns:a14="http://schemas.microsoft.com/office/drawing/2010/main">
+                <a14:hiddenFill xmlns:a14="http://schemas.microsoft.com/office/drawing/2010/main" xmlns="">
                   <a:solidFill>
                     <a:srgbClr val="FFFFFF"/>
                   </a:solidFill>
                 </a14:hiddenFill>
               </a:ext>
               <a:ext uri="{91240B29-F687-4f45-9708-019B960494DF}">
-                <a14:hiddenLine xmlns="" xmlns:a14="http://schemas.microsoft.com/office/drawing/2010/main" w="9525">
+                <a14:hiddenLine xmlns:a14="http://schemas.microsoft.com/office/drawing/2010/main" xmlns="" w="9525">
                   <a:solidFill>
                     <a:srgbClr val="000000"/>
                   </a:solidFill>
@@ -27716,14 +28037,14 @@
             </a:ln>
             <a:extLst>
               <a:ext uri="{909E8E84-426E-40dd-AFC4-6F175D3DCCD1}">
-                <a14:hiddenFill xmlns="" xmlns:a14="http://schemas.microsoft.com/office/drawing/2010/main">
+                <a14:hiddenFill xmlns:a14="http://schemas.microsoft.com/office/drawing/2010/main" xmlns="">
                   <a:solidFill>
                     <a:srgbClr val="FFFFFF"/>
                   </a:solidFill>
                 </a14:hiddenFill>
               </a:ext>
               <a:ext uri="{91240B29-F687-4f45-9708-019B960494DF}">
-                <a14:hiddenLine xmlns="" xmlns:a14="http://schemas.microsoft.com/office/drawing/2010/main" w="9525">
+                <a14:hiddenLine xmlns:a14="http://schemas.microsoft.com/office/drawing/2010/main" xmlns="" w="9525">
                   <a:solidFill>
                     <a:srgbClr val="000000"/>
                   </a:solidFill>
@@ -27770,14 +28091,14 @@
             </a:ln>
             <a:extLst>
               <a:ext uri="{909E8E84-426E-40dd-AFC4-6F175D3DCCD1}">
-                <a14:hiddenFill xmlns="" xmlns:a14="http://schemas.microsoft.com/office/drawing/2010/main">
+                <a14:hiddenFill xmlns:a14="http://schemas.microsoft.com/office/drawing/2010/main" xmlns="">
                   <a:solidFill>
                     <a:srgbClr val="FFFFFF"/>
                   </a:solidFill>
                 </a14:hiddenFill>
               </a:ext>
               <a:ext uri="{91240B29-F687-4f45-9708-019B960494DF}">
-                <a14:hiddenLine xmlns="" xmlns:a14="http://schemas.microsoft.com/office/drawing/2010/main" w="9525">
+                <a14:hiddenLine xmlns:a14="http://schemas.microsoft.com/office/drawing/2010/main" xmlns="" w="9525">
                   <a:solidFill>
                     <a:srgbClr val="000000"/>
                   </a:solidFill>
@@ -28306,6 +28627,114 @@
     <p:extLst>
       <p:ext uri="{BB962C8B-B14F-4D97-AF65-F5344CB8AC3E}">
         <p14:creationId xmlns:p14="http://schemas.microsoft.com/office/powerpoint/2010/main" val="3978165889"/>
+      </p:ext>
+    </p:extLst>
+  </p:cSld>
+  <p:clrMapOvr>
+    <a:masterClrMapping/>
+  </p:clrMapOvr>
+</p:sld>
+</file>
+
+<file path=ppt/slides/slide9.xml><?xml version="1.0" encoding="utf-8"?>
+<p:sld xmlns:a="http://schemas.openxmlformats.org/drawingml/2006/main" xmlns:r="http://schemas.openxmlformats.org/officeDocument/2006/relationships" xmlns:p="http://schemas.openxmlformats.org/presentationml/2006/main">
+  <p:cSld>
+    <p:spTree>
+      <p:nvGrpSpPr>
+        <p:cNvPr id="1" name=""/>
+        <p:cNvGrpSpPr/>
+        <p:nvPr/>
+      </p:nvGrpSpPr>
+      <p:grpSpPr>
+        <a:xfrm>
+          <a:off x="0" y="0"/>
+          <a:ext cx="0" cy="0"/>
+          <a:chOff x="0" y="0"/>
+          <a:chExt cx="0" cy="0"/>
+        </a:xfrm>
+      </p:grpSpPr>
+      <p:sp>
+        <p:nvSpPr>
+          <p:cNvPr id="2" name="标题 1">
+            <a:extLst>
+              <a:ext uri="{FF2B5EF4-FFF2-40B4-BE49-F238E27FC236}">
+                <a16:creationId xmlns:a16="http://schemas.microsoft.com/office/drawing/2014/main" id="{C7DC7FF6-C44C-B24E-95DC-89980CF88CC4}"/>
+              </a:ext>
+            </a:extLst>
+          </p:cNvPr>
+          <p:cNvSpPr>
+            <a:spLocks noGrp="1"/>
+          </p:cNvSpPr>
+          <p:nvPr>
+            <p:ph type="title"/>
+          </p:nvPr>
+        </p:nvSpPr>
+        <p:spPr/>
+        <p:txBody>
+          <a:bodyPr/>
+          <a:lstStyle/>
+          <a:p>
+            <a:r>
+              <a:rPr kumimoji="1" lang="zh-CN" altLang="en-US" dirty="0"/>
+              <a:t>回顾</a:t>
+            </a:r>
+          </a:p>
+        </p:txBody>
+      </p:sp>
+      <p:sp>
+        <p:nvSpPr>
+          <p:cNvPr id="3" name="内容占位符 2">
+            <a:extLst>
+              <a:ext uri="{FF2B5EF4-FFF2-40B4-BE49-F238E27FC236}">
+                <a16:creationId xmlns:a16="http://schemas.microsoft.com/office/drawing/2014/main" id="{C5D802BF-AFD3-E543-A0E3-247D010DC9E3}"/>
+              </a:ext>
+            </a:extLst>
+          </p:cNvPr>
+          <p:cNvSpPr>
+            <a:spLocks noGrp="1"/>
+          </p:cNvSpPr>
+          <p:nvPr>
+            <p:ph idx="1"/>
+          </p:nvPr>
+        </p:nvSpPr>
+        <p:spPr/>
+        <p:txBody>
+          <a:bodyPr/>
+          <a:lstStyle/>
+          <a:p>
+            <a:r>
+              <a:rPr kumimoji="1" lang="zh-CN" altLang="en-US" dirty="0"/>
+              <a:t>发现难点</a:t>
+            </a:r>
+            <a:endParaRPr kumimoji="1" lang="en-US" altLang="zh-CN" dirty="0"/>
+          </a:p>
+          <a:p>
+            <a:r>
+              <a:rPr lang="zh-CN" altLang="en-US" dirty="0"/>
+              <a:t>理解困难形成的原因</a:t>
+            </a:r>
+            <a:endParaRPr lang="en-US" altLang="zh-CN" dirty="0"/>
+          </a:p>
+          <a:p>
+            <a:r>
+              <a:rPr kumimoji="1" lang="zh-CN" altLang="en-US" dirty="0"/>
+              <a:t>通过原因寻找解决方案</a:t>
+            </a:r>
+            <a:endParaRPr kumimoji="1" lang="en-US" altLang="zh-CN" dirty="0"/>
+          </a:p>
+          <a:p>
+            <a:r>
+              <a:rPr lang="zh-CN" altLang="en-US" dirty="0"/>
+              <a:t>反复练习存储为“肌肉记忆”</a:t>
+            </a:r>
+            <a:endParaRPr kumimoji="1" lang="zh-CN" altLang="en-US" dirty="0"/>
+          </a:p>
+        </p:txBody>
+      </p:sp>
+    </p:spTree>
+    <p:extLst>
+      <p:ext uri="{BB962C8B-B14F-4D97-AF65-F5344CB8AC3E}">
+        <p14:creationId xmlns:p14="http://schemas.microsoft.com/office/powerpoint/2010/main" val="2525667352"/>
       </p:ext>
     </p:extLst>
   </p:cSld>
